--- a/Second_capstone/Second_capstone.pptx
+++ b/Second_capstone/Second_capstone.pptx
@@ -269,7 +269,7 @@
           <a:p>
             <a:fld id="{5F3CB7BD-CBF4-E94C-A206-5F81955BAC91}" type="datetimeFigureOut">
               <a:rPr lang="en-US" smtClean="0"/>
-              <a:t>9/3/24</a:t>
+              <a:t>9/7/24</a:t>
             </a:fld>
             <a:endParaRPr lang="en-US"/>
           </a:p>
@@ -467,7 +467,7 @@
           <a:p>
             <a:fld id="{5F3CB7BD-CBF4-E94C-A206-5F81955BAC91}" type="datetimeFigureOut">
               <a:rPr lang="en-US" smtClean="0"/>
-              <a:t>9/3/24</a:t>
+              <a:t>9/7/24</a:t>
             </a:fld>
             <a:endParaRPr lang="en-US"/>
           </a:p>
@@ -675,7 +675,7 @@
           <a:p>
             <a:fld id="{5F3CB7BD-CBF4-E94C-A206-5F81955BAC91}" type="datetimeFigureOut">
               <a:rPr lang="en-US" smtClean="0"/>
-              <a:t>9/3/24</a:t>
+              <a:t>9/7/24</a:t>
             </a:fld>
             <a:endParaRPr lang="en-US"/>
           </a:p>
@@ -873,7 +873,7 @@
           <a:p>
             <a:fld id="{5F3CB7BD-CBF4-E94C-A206-5F81955BAC91}" type="datetimeFigureOut">
               <a:rPr lang="en-US" smtClean="0"/>
-              <a:t>9/3/24</a:t>
+              <a:t>9/7/24</a:t>
             </a:fld>
             <a:endParaRPr lang="en-US"/>
           </a:p>
@@ -1148,7 +1148,7 @@
           <a:p>
             <a:fld id="{5F3CB7BD-CBF4-E94C-A206-5F81955BAC91}" type="datetimeFigureOut">
               <a:rPr lang="en-US" smtClean="0"/>
-              <a:t>9/3/24</a:t>
+              <a:t>9/7/24</a:t>
             </a:fld>
             <a:endParaRPr lang="en-US"/>
           </a:p>
@@ -1413,7 +1413,7 @@
           <a:p>
             <a:fld id="{5F3CB7BD-CBF4-E94C-A206-5F81955BAC91}" type="datetimeFigureOut">
               <a:rPr lang="en-US" smtClean="0"/>
-              <a:t>9/3/24</a:t>
+              <a:t>9/7/24</a:t>
             </a:fld>
             <a:endParaRPr lang="en-US"/>
           </a:p>
@@ -1825,7 +1825,7 @@
           <a:p>
             <a:fld id="{5F3CB7BD-CBF4-E94C-A206-5F81955BAC91}" type="datetimeFigureOut">
               <a:rPr lang="en-US" smtClean="0"/>
-              <a:t>9/3/24</a:t>
+              <a:t>9/7/24</a:t>
             </a:fld>
             <a:endParaRPr lang="en-US"/>
           </a:p>
@@ -1966,7 +1966,7 @@
           <a:p>
             <a:fld id="{5F3CB7BD-CBF4-E94C-A206-5F81955BAC91}" type="datetimeFigureOut">
               <a:rPr lang="en-US" smtClean="0"/>
-              <a:t>9/3/24</a:t>
+              <a:t>9/7/24</a:t>
             </a:fld>
             <a:endParaRPr lang="en-US"/>
           </a:p>
@@ -2079,7 +2079,7 @@
           <a:p>
             <a:fld id="{5F3CB7BD-CBF4-E94C-A206-5F81955BAC91}" type="datetimeFigureOut">
               <a:rPr lang="en-US" smtClean="0"/>
-              <a:t>9/3/24</a:t>
+              <a:t>9/7/24</a:t>
             </a:fld>
             <a:endParaRPr lang="en-US"/>
           </a:p>
@@ -2390,7 +2390,7 @@
           <a:p>
             <a:fld id="{5F3CB7BD-CBF4-E94C-A206-5F81955BAC91}" type="datetimeFigureOut">
               <a:rPr lang="en-US" smtClean="0"/>
-              <a:t>9/3/24</a:t>
+              <a:t>9/7/24</a:t>
             </a:fld>
             <a:endParaRPr lang="en-US"/>
           </a:p>
@@ -2678,7 +2678,7 @@
           <a:p>
             <a:fld id="{5F3CB7BD-CBF4-E94C-A206-5F81955BAC91}" type="datetimeFigureOut">
               <a:rPr lang="en-US" smtClean="0"/>
-              <a:t>9/3/24</a:t>
+              <a:t>9/7/24</a:t>
             </a:fld>
             <a:endParaRPr lang="en-US"/>
           </a:p>
@@ -2919,7 +2919,7 @@
           <a:p>
             <a:fld id="{5F3CB7BD-CBF4-E94C-A206-5F81955BAC91}" type="datetimeFigureOut">
               <a:rPr lang="en-US" smtClean="0"/>
-              <a:t>9/3/24</a:t>
+              <a:t>9/7/24</a:t>
             </a:fld>
             <a:endParaRPr lang="en-US"/>
           </a:p>
@@ -4843,13 +4843,53 @@
         <p:spPr>
           <a:xfrm>
             <a:off x="2048896" y="1232128"/>
-            <a:ext cx="7392440" cy="5026168"/>
+            <a:ext cx="6501669" cy="4420527"/>
           </a:xfrm>
           <a:prstGeom prst="rect">
             <a:avLst/>
           </a:prstGeom>
         </p:spPr>
       </p:pic>
+      <p:sp>
+        <p:nvSpPr>
+          <p:cNvPr id="2" name="TextBox 1">
+            <a:extLst>
+              <a:ext uri="{FF2B5EF4-FFF2-40B4-BE49-F238E27FC236}">
+                <a16:creationId xmlns:a16="http://schemas.microsoft.com/office/drawing/2014/main" id="{859DD32E-5EBD-672F-6954-7D5AA4E0B16A}"/>
+              </a:ext>
+            </a:extLst>
+          </p:cNvPr>
+          <p:cNvSpPr txBox="1"/>
+          <p:nvPr/>
+        </p:nvSpPr>
+        <p:spPr>
+          <a:xfrm>
+            <a:off x="356260" y="5909118"/>
+            <a:ext cx="11008426" cy="923330"/>
+          </a:xfrm>
+          <a:prstGeom prst="rect">
+            <a:avLst/>
+          </a:prstGeom>
+          <a:noFill/>
+        </p:spPr>
+        <p:txBody>
+          <a:bodyPr wrap="square" rtlCol="0">
+            <a:spAutoFit/>
+          </a:bodyPr>
+          <a:lstStyle/>
+          <a:p>
+            <a:r>
+              <a:rPr lang="en-US" dirty="0"/>
+              <a:t>39% of UPDRS4 scores were missing. We imputed these missing values with the median UPDRS4 value which was zero. Since so many of the values were missing the imputed values could affect the lack </a:t>
+            </a:r>
+            <a:r>
+              <a:rPr lang="en-US"/>
+              <a:t>of trend seen here.</a:t>
+            </a:r>
+            <a:endParaRPr lang="en-US" dirty="0"/>
+          </a:p>
+        </p:txBody>
+      </p:sp>
     </p:spTree>
     <p:extLst>
       <p:ext uri="{BB962C8B-B14F-4D97-AF65-F5344CB8AC3E}">
